--- a/Cloud Computing - F (1).pptx
+++ b/Cloud Computing - F (1).pptx
@@ -143,7 +143,7 @@
 <file path=ppt/revisionInfo.xml><?xml version="1.0" encoding="utf-8"?>
 <p1510:revInfo xmlns:a="http://schemas.openxmlformats.org/drawingml/2006/main" xmlns:r="http://schemas.openxmlformats.org/officeDocument/2006/relationships" xmlns:p1510="http://schemas.microsoft.com/office/powerpoint/2015/10/main">
   <p1510:revLst>
-    <p1510:client id="{C948DD30-F279-46DF-840E-8F1947961FEB}" v="43" dt="2019-04-07T17:59:58.011"/>
+    <p1510:client id="{C948DD30-F279-46DF-840E-8F1947961FEB}" v="44" dt="2019-04-09T11:49:38.970"/>
   </p1510:revLst>
 </p1510:revInfo>
 </file>
@@ -153,18 +153,18 @@
   <pc:docChgLst>
     <pc:chgData name="François Espiasse" userId="c0683628fcfb6d84" providerId="LiveId" clId="{C948DD30-F279-46DF-840E-8F1947961FEB}"/>
     <pc:docChg chg="undo redo custSel addSld delSld modSld sldOrd">
-      <pc:chgData name="François Espiasse" userId="c0683628fcfb6d84" providerId="LiveId" clId="{C948DD30-F279-46DF-840E-8F1947961FEB}" dt="2019-04-07T18:04:20.640" v="1596" actId="20577"/>
+      <pc:chgData name="François Espiasse" userId="c0683628fcfb6d84" providerId="LiveId" clId="{C948DD30-F279-46DF-840E-8F1947961FEB}" dt="2019-04-09T11:50:31.713" v="1758" actId="20577"/>
       <pc:docMkLst>
         <pc:docMk/>
       </pc:docMkLst>
       <pc:sldChg chg="modSp">
-        <pc:chgData name="François Espiasse" userId="c0683628fcfb6d84" providerId="LiveId" clId="{C948DD30-F279-46DF-840E-8F1947961FEB}" dt="2019-04-07T18:04:20.640" v="1596" actId="20577"/>
+        <pc:chgData name="François Espiasse" userId="c0683628fcfb6d84" providerId="LiveId" clId="{C948DD30-F279-46DF-840E-8F1947961FEB}" dt="2019-04-09T11:50:31.713" v="1758" actId="20577"/>
         <pc:sldMkLst>
           <pc:docMk/>
           <pc:sldMk cId="1861688003" sldId="257"/>
         </pc:sldMkLst>
         <pc:spChg chg="mod">
-          <ac:chgData name="François Espiasse" userId="c0683628fcfb6d84" providerId="LiveId" clId="{C948DD30-F279-46DF-840E-8F1947961FEB}" dt="2019-04-07T18:04:20.640" v="1596" actId="20577"/>
+          <ac:chgData name="François Espiasse" userId="c0683628fcfb6d84" providerId="LiveId" clId="{C948DD30-F279-46DF-840E-8F1947961FEB}" dt="2019-04-09T11:50:31.713" v="1758" actId="20577"/>
           <ac:spMkLst>
             <pc:docMk/>
             <pc:sldMk cId="1861688003" sldId="257"/>
@@ -575,7 +575,7 @@
           <a:noFill/>
           <a:extLst>
             <a:ext uri="{909E8E84-426E-40dd-AFC4-6F175D3DCCD1}">
-              <a14:hiddenFill xmlns:a14="http://schemas.microsoft.com/office/drawing/2010/main" xmlns="">
+              <a14:hiddenFill xmlns="" xmlns:a14="http://schemas.microsoft.com/office/drawing/2010/main">
                 <a:solidFill>
                   <a:srgbClr val="FFFFFF"/>
                 </a:solidFill>
@@ -634,7 +634,7 @@
             </a:ln>
             <a:extLst>
               <a:ext uri="{91240B29-F687-4f45-9708-019B960494DF}">
-                <a14:hiddenLine xmlns:a14="http://schemas.microsoft.com/office/drawing/2010/main" xmlns="" w="9525">
+                <a14:hiddenLine xmlns="" xmlns:a14="http://schemas.microsoft.com/office/drawing/2010/main" w="9525">
                   <a:solidFill>
                     <a:srgbClr val="000000"/>
                   </a:solidFill>
@@ -724,7 +724,7 @@
             </a:ln>
             <a:extLst>
               <a:ext uri="{91240B29-F687-4f45-9708-019B960494DF}">
-                <a14:hiddenLine xmlns:a14="http://schemas.microsoft.com/office/drawing/2010/main" xmlns="" w="9525">
+                <a14:hiddenLine xmlns="" xmlns:a14="http://schemas.microsoft.com/office/drawing/2010/main" w="9525">
                   <a:solidFill>
                     <a:srgbClr val="000000"/>
                   </a:solidFill>
@@ -814,7 +814,7 @@
             </a:ln>
             <a:extLst>
               <a:ext uri="{91240B29-F687-4f45-9708-019B960494DF}">
-                <a14:hiddenLine xmlns:a14="http://schemas.microsoft.com/office/drawing/2010/main" xmlns="" w="9525">
+                <a14:hiddenLine xmlns="" xmlns:a14="http://schemas.microsoft.com/office/drawing/2010/main" w="9525">
                   <a:solidFill>
                     <a:srgbClr val="000000"/>
                   </a:solidFill>
@@ -848,7 +848,7 @@
             </a:ln>
             <a:extLst>
               <a:ext uri="{91240B29-F687-4f45-9708-019B960494DF}">
-                <a14:hiddenLine xmlns:a14="http://schemas.microsoft.com/office/drawing/2010/main" xmlns="" w="9525">
+                <a14:hiddenLine xmlns="" xmlns:a14="http://schemas.microsoft.com/office/drawing/2010/main" w="9525">
                   <a:solidFill>
                     <a:srgbClr val="000000"/>
                   </a:solidFill>
@@ -938,7 +938,7 @@
             </a:ln>
             <a:extLst>
               <a:ext uri="{91240B29-F687-4f45-9708-019B960494DF}">
-                <a14:hiddenLine xmlns:a14="http://schemas.microsoft.com/office/drawing/2010/main" xmlns="" w="9525">
+                <a14:hiddenLine xmlns="" xmlns:a14="http://schemas.microsoft.com/office/drawing/2010/main" w="9525">
                   <a:solidFill>
                     <a:srgbClr val="000000"/>
                   </a:solidFill>
@@ -1000,7 +1000,7 @@
             </a:ln>
             <a:extLst>
               <a:ext uri="{91240B29-F687-4f45-9708-019B960494DF}">
-                <a14:hiddenLine xmlns:a14="http://schemas.microsoft.com/office/drawing/2010/main" xmlns="" w="9525">
+                <a14:hiddenLine xmlns="" xmlns:a14="http://schemas.microsoft.com/office/drawing/2010/main" w="9525">
                   <a:solidFill>
                     <a:srgbClr val="000000"/>
                   </a:solidFill>
@@ -1062,7 +1062,7 @@
             </a:ln>
             <a:extLst>
               <a:ext uri="{91240B29-F687-4f45-9708-019B960494DF}">
-                <a14:hiddenLine xmlns:a14="http://schemas.microsoft.com/office/drawing/2010/main" xmlns="" w="9525">
+                <a14:hiddenLine xmlns="" xmlns:a14="http://schemas.microsoft.com/office/drawing/2010/main" w="9525">
                   <a:solidFill>
                     <a:srgbClr val="000000"/>
                   </a:solidFill>
@@ -1152,7 +1152,7 @@
             </a:ln>
             <a:extLst>
               <a:ext uri="{91240B29-F687-4f45-9708-019B960494DF}">
-                <a14:hiddenLine xmlns:a14="http://schemas.microsoft.com/office/drawing/2010/main" xmlns="" w="9525">
+                <a14:hiddenLine xmlns="" xmlns:a14="http://schemas.microsoft.com/office/drawing/2010/main" w="9525">
                   <a:solidFill>
                     <a:srgbClr val="000000"/>
                   </a:solidFill>
@@ -1214,7 +1214,7 @@
             </a:ln>
             <a:extLst>
               <a:ext uri="{91240B29-F687-4f45-9708-019B960494DF}">
-                <a14:hiddenLine xmlns:a14="http://schemas.microsoft.com/office/drawing/2010/main" xmlns="" w="9525">
+                <a14:hiddenLine xmlns="" xmlns:a14="http://schemas.microsoft.com/office/drawing/2010/main" w="9525">
                   <a:solidFill>
                     <a:srgbClr val="000000"/>
                   </a:solidFill>
@@ -1276,7 +1276,7 @@
             </a:ln>
             <a:extLst>
               <a:ext uri="{91240B29-F687-4f45-9708-019B960494DF}">
-                <a14:hiddenLine xmlns:a14="http://schemas.microsoft.com/office/drawing/2010/main" xmlns="" w="9525">
+                <a14:hiddenLine xmlns="" xmlns:a14="http://schemas.microsoft.com/office/drawing/2010/main" w="9525">
                   <a:solidFill>
                     <a:srgbClr val="000000"/>
                   </a:solidFill>
@@ -1366,7 +1366,7 @@
             </a:ln>
             <a:extLst>
               <a:ext uri="{91240B29-F687-4f45-9708-019B960494DF}">
-                <a14:hiddenLine xmlns:a14="http://schemas.microsoft.com/office/drawing/2010/main" xmlns="" w="9525">
+                <a14:hiddenLine xmlns="" xmlns:a14="http://schemas.microsoft.com/office/drawing/2010/main" w="9525">
                   <a:solidFill>
                     <a:srgbClr val="000000"/>
                   </a:solidFill>
@@ -1456,7 +1456,7 @@
             </a:ln>
             <a:extLst>
               <a:ext uri="{91240B29-F687-4f45-9708-019B960494DF}">
-                <a14:hiddenLine xmlns:a14="http://schemas.microsoft.com/office/drawing/2010/main" xmlns="" w="9525">
+                <a14:hiddenLine xmlns="" xmlns:a14="http://schemas.microsoft.com/office/drawing/2010/main" w="9525">
                   <a:solidFill>
                     <a:srgbClr val="000000"/>
                   </a:solidFill>
@@ -1518,7 +1518,7 @@
             </a:ln>
             <a:extLst>
               <a:ext uri="{91240B29-F687-4f45-9708-019B960494DF}">
-                <a14:hiddenLine xmlns:a14="http://schemas.microsoft.com/office/drawing/2010/main" xmlns="" w="9525">
+                <a14:hiddenLine xmlns="" xmlns:a14="http://schemas.microsoft.com/office/drawing/2010/main" w="9525">
                   <a:solidFill>
                     <a:srgbClr val="000000"/>
                   </a:solidFill>
@@ -1628,7 +1628,7 @@
             </a:ln>
             <a:extLst>
               <a:ext uri="{91240B29-F687-4f45-9708-019B960494DF}">
-                <a14:hiddenLine xmlns:a14="http://schemas.microsoft.com/office/drawing/2010/main" xmlns="" w="9525">
+                <a14:hiddenLine xmlns="" xmlns:a14="http://schemas.microsoft.com/office/drawing/2010/main" w="9525">
                   <a:solidFill>
                     <a:srgbClr val="000000"/>
                   </a:solidFill>
@@ -1690,7 +1690,7 @@
             </a:ln>
             <a:extLst>
               <a:ext uri="{91240B29-F687-4f45-9708-019B960494DF}">
-                <a14:hiddenLine xmlns:a14="http://schemas.microsoft.com/office/drawing/2010/main" xmlns="" w="9525">
+                <a14:hiddenLine xmlns="" xmlns:a14="http://schemas.microsoft.com/office/drawing/2010/main" w="9525">
                   <a:solidFill>
                     <a:srgbClr val="000000"/>
                   </a:solidFill>
@@ -1780,7 +1780,7 @@
             </a:ln>
             <a:extLst>
               <a:ext uri="{91240B29-F687-4f45-9708-019B960494DF}">
-                <a14:hiddenLine xmlns:a14="http://schemas.microsoft.com/office/drawing/2010/main" xmlns="" w="9525">
+                <a14:hiddenLine xmlns="" xmlns:a14="http://schemas.microsoft.com/office/drawing/2010/main" w="9525">
                   <a:solidFill>
                     <a:srgbClr val="000000"/>
                   </a:solidFill>
@@ -1870,7 +1870,7 @@
             </a:ln>
             <a:extLst>
               <a:ext uri="{91240B29-F687-4f45-9708-019B960494DF}">
-                <a14:hiddenLine xmlns:a14="http://schemas.microsoft.com/office/drawing/2010/main" xmlns="" w="9525">
+                <a14:hiddenLine xmlns="" xmlns:a14="http://schemas.microsoft.com/office/drawing/2010/main" w="9525">
                   <a:solidFill>
                     <a:srgbClr val="000000"/>
                   </a:solidFill>
@@ -1932,7 +1932,7 @@
             </a:ln>
             <a:extLst>
               <a:ext uri="{91240B29-F687-4f45-9708-019B960494DF}">
-                <a14:hiddenLine xmlns:a14="http://schemas.microsoft.com/office/drawing/2010/main" xmlns="" w="9525">
+                <a14:hiddenLine xmlns="" xmlns:a14="http://schemas.microsoft.com/office/drawing/2010/main" w="9525">
                   <a:solidFill>
                     <a:srgbClr val="000000"/>
                   </a:solidFill>
@@ -2022,7 +2022,7 @@
             </a:ln>
             <a:extLst>
               <a:ext uri="{91240B29-F687-4f45-9708-019B960494DF}">
-                <a14:hiddenLine xmlns:a14="http://schemas.microsoft.com/office/drawing/2010/main" xmlns="" w="9525">
+                <a14:hiddenLine xmlns="" xmlns:a14="http://schemas.microsoft.com/office/drawing/2010/main" w="9525">
                   <a:solidFill>
                     <a:srgbClr val="000000"/>
                   </a:solidFill>
@@ -2112,7 +2112,7 @@
             </a:ln>
             <a:extLst>
               <a:ext uri="{91240B29-F687-4f45-9708-019B960494DF}">
-                <a14:hiddenLine xmlns:a14="http://schemas.microsoft.com/office/drawing/2010/main" xmlns="" w="9525">
+                <a14:hiddenLine xmlns="" xmlns:a14="http://schemas.microsoft.com/office/drawing/2010/main" w="9525">
                   <a:solidFill>
                     <a:srgbClr val="000000"/>
                   </a:solidFill>
@@ -2168,7 +2168,7 @@
             </a:ln>
             <a:extLst>
               <a:ext uri="{91240B29-F687-4f45-9708-019B960494DF}">
-                <a14:hiddenLine xmlns:a14="http://schemas.microsoft.com/office/drawing/2010/main" xmlns="" w="9525">
+                <a14:hiddenLine xmlns="" xmlns:a14="http://schemas.microsoft.com/office/drawing/2010/main" w="9525">
                   <a:solidFill>
                     <a:srgbClr val="000000"/>
                   </a:solidFill>
@@ -2258,7 +2258,7 @@
             </a:ln>
             <a:extLst>
               <a:ext uri="{91240B29-F687-4f45-9708-019B960494DF}">
-                <a14:hiddenLine xmlns:a14="http://schemas.microsoft.com/office/drawing/2010/main" xmlns="" w="9525">
+                <a14:hiddenLine xmlns="" xmlns:a14="http://schemas.microsoft.com/office/drawing/2010/main" w="9525">
                   <a:solidFill>
                     <a:srgbClr val="000000"/>
                   </a:solidFill>
@@ -2314,7 +2314,7 @@
             </a:ln>
             <a:extLst>
               <a:ext uri="{91240B29-F687-4f45-9708-019B960494DF}">
-                <a14:hiddenLine xmlns:a14="http://schemas.microsoft.com/office/drawing/2010/main" xmlns="" w="9525">
+                <a14:hiddenLine xmlns="" xmlns:a14="http://schemas.microsoft.com/office/drawing/2010/main" w="9525">
                   <a:solidFill>
                     <a:srgbClr val="000000"/>
                   </a:solidFill>
@@ -2404,7 +2404,7 @@
             </a:ln>
             <a:extLst>
               <a:ext uri="{91240B29-F687-4f45-9708-019B960494DF}">
-                <a14:hiddenLine xmlns:a14="http://schemas.microsoft.com/office/drawing/2010/main" xmlns="" w="9525">
+                <a14:hiddenLine xmlns="" xmlns:a14="http://schemas.microsoft.com/office/drawing/2010/main" w="9525">
                   <a:solidFill>
                     <a:srgbClr val="000000"/>
                   </a:solidFill>
@@ -2472,7 +2472,7 @@
             </a:ln>
             <a:extLst>
               <a:ext uri="{91240B29-F687-4f45-9708-019B960494DF}">
-                <a14:hiddenLine xmlns:a14="http://schemas.microsoft.com/office/drawing/2010/main" xmlns="" w="9525">
+                <a14:hiddenLine xmlns="" xmlns:a14="http://schemas.microsoft.com/office/drawing/2010/main" w="9525">
                   <a:solidFill>
                     <a:srgbClr val="000000"/>
                   </a:solidFill>
@@ -2562,7 +2562,7 @@
             </a:ln>
             <a:extLst>
               <a:ext uri="{91240B29-F687-4f45-9708-019B960494DF}">
-                <a14:hiddenLine xmlns:a14="http://schemas.microsoft.com/office/drawing/2010/main" xmlns="" w="9525">
+                <a14:hiddenLine xmlns="" xmlns:a14="http://schemas.microsoft.com/office/drawing/2010/main" w="9525">
                   <a:solidFill>
                     <a:srgbClr val="000000"/>
                   </a:solidFill>
@@ -2630,7 +2630,7 @@
             </a:ln>
             <a:extLst>
               <a:ext uri="{91240B29-F687-4f45-9708-019B960494DF}">
-                <a14:hiddenLine xmlns:a14="http://schemas.microsoft.com/office/drawing/2010/main" xmlns="" w="9525">
+                <a14:hiddenLine xmlns="" xmlns:a14="http://schemas.microsoft.com/office/drawing/2010/main" w="9525">
                   <a:solidFill>
                     <a:srgbClr val="000000"/>
                   </a:solidFill>
@@ -2720,7 +2720,7 @@
             </a:ln>
             <a:extLst>
               <a:ext uri="{91240B29-F687-4f45-9708-019B960494DF}">
-                <a14:hiddenLine xmlns:a14="http://schemas.microsoft.com/office/drawing/2010/main" xmlns="" w="9525">
+                <a14:hiddenLine xmlns="" xmlns:a14="http://schemas.microsoft.com/office/drawing/2010/main" w="9525">
                   <a:solidFill>
                     <a:srgbClr val="000000"/>
                   </a:solidFill>
@@ -2754,7 +2754,7 @@
             </a:ln>
             <a:extLst>
               <a:ext uri="{91240B29-F687-4f45-9708-019B960494DF}">
-                <a14:hiddenLine xmlns:a14="http://schemas.microsoft.com/office/drawing/2010/main" xmlns="" w="9525">
+                <a14:hiddenLine xmlns="" xmlns:a14="http://schemas.microsoft.com/office/drawing/2010/main" w="9525">
                   <a:solidFill>
                     <a:srgbClr val="000000"/>
                   </a:solidFill>
@@ -2844,7 +2844,7 @@
             </a:ln>
             <a:extLst>
               <a:ext uri="{91240B29-F687-4f45-9708-019B960494DF}">
-                <a14:hiddenLine xmlns:a14="http://schemas.microsoft.com/office/drawing/2010/main" xmlns="" w="9525">
+                <a14:hiddenLine xmlns="" xmlns:a14="http://schemas.microsoft.com/office/drawing/2010/main" w="9525">
                   <a:solidFill>
                     <a:srgbClr val="000000"/>
                   </a:solidFill>
@@ -2906,7 +2906,7 @@
             </a:ln>
             <a:extLst>
               <a:ext uri="{91240B29-F687-4f45-9708-019B960494DF}">
-                <a14:hiddenLine xmlns:a14="http://schemas.microsoft.com/office/drawing/2010/main" xmlns="" w="9525">
+                <a14:hiddenLine xmlns="" xmlns:a14="http://schemas.microsoft.com/office/drawing/2010/main" w="9525">
                   <a:solidFill>
                     <a:srgbClr val="000000"/>
                   </a:solidFill>
@@ -2968,7 +2968,7 @@
             </a:ln>
             <a:extLst>
               <a:ext uri="{91240B29-F687-4f45-9708-019B960494DF}">
-                <a14:hiddenLine xmlns:a14="http://schemas.microsoft.com/office/drawing/2010/main" xmlns="" w="9525">
+                <a14:hiddenLine xmlns="" xmlns:a14="http://schemas.microsoft.com/office/drawing/2010/main" w="9525">
                   <a:solidFill>
                     <a:srgbClr val="000000"/>
                   </a:solidFill>
@@ -3058,7 +3058,7 @@
             </a:ln>
             <a:extLst>
               <a:ext uri="{91240B29-F687-4f45-9708-019B960494DF}">
-                <a14:hiddenLine xmlns:a14="http://schemas.microsoft.com/office/drawing/2010/main" xmlns="" w="9525">
+                <a14:hiddenLine xmlns="" xmlns:a14="http://schemas.microsoft.com/office/drawing/2010/main" w="9525">
                   <a:solidFill>
                     <a:srgbClr val="000000"/>
                   </a:solidFill>
@@ -3126,7 +3126,7 @@
             </a:ln>
             <a:extLst>
               <a:ext uri="{91240B29-F687-4f45-9708-019B960494DF}">
-                <a14:hiddenLine xmlns:a14="http://schemas.microsoft.com/office/drawing/2010/main" xmlns="" w="9525">
+                <a14:hiddenLine xmlns="" xmlns:a14="http://schemas.microsoft.com/office/drawing/2010/main" w="9525">
                   <a:solidFill>
                     <a:srgbClr val="000000"/>
                   </a:solidFill>
@@ -3188,7 +3188,7 @@
             </a:ln>
             <a:extLst>
               <a:ext uri="{91240B29-F687-4f45-9708-019B960494DF}">
-                <a14:hiddenLine xmlns:a14="http://schemas.microsoft.com/office/drawing/2010/main" xmlns="" w="9525">
+                <a14:hiddenLine xmlns="" xmlns:a14="http://schemas.microsoft.com/office/drawing/2010/main" w="9525">
                   <a:solidFill>
                     <a:srgbClr val="000000"/>
                   </a:solidFill>
@@ -3278,7 +3278,7 @@
             </a:ln>
             <a:extLst>
               <a:ext uri="{91240B29-F687-4f45-9708-019B960494DF}">
-                <a14:hiddenLine xmlns:a14="http://schemas.microsoft.com/office/drawing/2010/main" xmlns="" w="9525">
+                <a14:hiddenLine xmlns="" xmlns:a14="http://schemas.microsoft.com/office/drawing/2010/main" w="9525">
                   <a:solidFill>
                     <a:srgbClr val="000000"/>
                   </a:solidFill>
@@ -3340,7 +3340,7 @@
             </a:ln>
             <a:extLst>
               <a:ext uri="{91240B29-F687-4f45-9708-019B960494DF}">
-                <a14:hiddenLine xmlns:a14="http://schemas.microsoft.com/office/drawing/2010/main" xmlns="" w="9525">
+                <a14:hiddenLine xmlns="" xmlns:a14="http://schemas.microsoft.com/office/drawing/2010/main" w="9525">
                   <a:solidFill>
                     <a:srgbClr val="000000"/>
                   </a:solidFill>
@@ -3430,7 +3430,7 @@
             </a:ln>
             <a:extLst>
               <a:ext uri="{91240B29-F687-4f45-9708-019B960494DF}">
-                <a14:hiddenLine xmlns:a14="http://schemas.microsoft.com/office/drawing/2010/main" xmlns="" w="9525">
+                <a14:hiddenLine xmlns="" xmlns:a14="http://schemas.microsoft.com/office/drawing/2010/main" w="9525">
                   <a:solidFill>
                     <a:srgbClr val="000000"/>
                   </a:solidFill>
@@ -3492,7 +3492,7 @@
             </a:ln>
             <a:extLst>
               <a:ext uri="{91240B29-F687-4f45-9708-019B960494DF}">
-                <a14:hiddenLine xmlns:a14="http://schemas.microsoft.com/office/drawing/2010/main" xmlns="" w="9525">
+                <a14:hiddenLine xmlns="" xmlns:a14="http://schemas.microsoft.com/office/drawing/2010/main" w="9525">
                   <a:solidFill>
                     <a:srgbClr val="000000"/>
                   </a:solidFill>
@@ -3582,7 +3582,7 @@
             </a:ln>
             <a:extLst>
               <a:ext uri="{91240B29-F687-4f45-9708-019B960494DF}">
-                <a14:hiddenLine xmlns:a14="http://schemas.microsoft.com/office/drawing/2010/main" xmlns="" w="9525">
+                <a14:hiddenLine xmlns="" xmlns:a14="http://schemas.microsoft.com/office/drawing/2010/main" w="9525">
                   <a:solidFill>
                     <a:srgbClr val="000000"/>
                   </a:solidFill>
@@ -3616,7 +3616,7 @@
             </a:ln>
             <a:extLst>
               <a:ext uri="{91240B29-F687-4f45-9708-019B960494DF}">
-                <a14:hiddenLine xmlns:a14="http://schemas.microsoft.com/office/drawing/2010/main" xmlns="" w="9525">
+                <a14:hiddenLine xmlns="" xmlns:a14="http://schemas.microsoft.com/office/drawing/2010/main" w="9525">
                   <a:solidFill>
                     <a:srgbClr val="000000"/>
                   </a:solidFill>
@@ -3681,7 +3681,7 @@
             </a:ln>
             <a:extLst>
               <a:ext uri="{91240B29-F687-4f45-9708-019B960494DF}">
-                <a14:hiddenLine xmlns:a14="http://schemas.microsoft.com/office/drawing/2010/main" xmlns="" w="9525">
+                <a14:hiddenLine xmlns="" xmlns:a14="http://schemas.microsoft.com/office/drawing/2010/main" w="9525">
                   <a:solidFill>
                     <a:srgbClr val="000000"/>
                   </a:solidFill>
@@ -3771,7 +3771,7 @@
             </a:ln>
             <a:extLst>
               <a:ext uri="{91240B29-F687-4f45-9708-019B960494DF}">
-                <a14:hiddenLine xmlns:a14="http://schemas.microsoft.com/office/drawing/2010/main" xmlns="" w="9525">
+                <a14:hiddenLine xmlns="" xmlns:a14="http://schemas.microsoft.com/office/drawing/2010/main" w="9525">
                   <a:solidFill>
                     <a:srgbClr val="000000"/>
                   </a:solidFill>
@@ -3833,7 +3833,7 @@
             </a:ln>
             <a:extLst>
               <a:ext uri="{91240B29-F687-4f45-9708-019B960494DF}">
-                <a14:hiddenLine xmlns:a14="http://schemas.microsoft.com/office/drawing/2010/main" xmlns="" w="9525">
+                <a14:hiddenLine xmlns="" xmlns:a14="http://schemas.microsoft.com/office/drawing/2010/main" w="9525">
                   <a:solidFill>
                     <a:srgbClr val="000000"/>
                   </a:solidFill>
@@ -3923,7 +3923,7 @@
             </a:ln>
             <a:extLst>
               <a:ext uri="{91240B29-F687-4f45-9708-019B960494DF}">
-                <a14:hiddenLine xmlns:a14="http://schemas.microsoft.com/office/drawing/2010/main" xmlns="" w="9525">
+                <a14:hiddenLine xmlns="" xmlns:a14="http://schemas.microsoft.com/office/drawing/2010/main" w="9525">
                   <a:solidFill>
                     <a:srgbClr val="000000"/>
                   </a:solidFill>
@@ -4013,7 +4013,7 @@
             </a:ln>
             <a:extLst>
               <a:ext uri="{91240B29-F687-4f45-9708-019B960494DF}">
-                <a14:hiddenLine xmlns:a14="http://schemas.microsoft.com/office/drawing/2010/main" xmlns="" w="9525">
+                <a14:hiddenLine xmlns="" xmlns:a14="http://schemas.microsoft.com/office/drawing/2010/main" w="9525">
                   <a:solidFill>
                     <a:srgbClr val="000000"/>
                   </a:solidFill>
@@ -4078,7 +4078,7 @@
             </a:ln>
             <a:extLst>
               <a:ext uri="{91240B29-F687-4f45-9708-019B960494DF}">
-                <a14:hiddenLine xmlns:a14="http://schemas.microsoft.com/office/drawing/2010/main" xmlns="" w="9525">
+                <a14:hiddenLine xmlns="" xmlns:a14="http://schemas.microsoft.com/office/drawing/2010/main" w="9525">
                   <a:solidFill>
                     <a:srgbClr val="000000"/>
                   </a:solidFill>
@@ -4140,7 +4140,7 @@
             </a:ln>
             <a:extLst>
               <a:ext uri="{91240B29-F687-4f45-9708-019B960494DF}">
-                <a14:hiddenLine xmlns:a14="http://schemas.microsoft.com/office/drawing/2010/main" xmlns="" w="9525">
+                <a14:hiddenLine xmlns="" xmlns:a14="http://schemas.microsoft.com/office/drawing/2010/main" w="9525">
                   <a:solidFill>
                     <a:srgbClr val="000000"/>
                   </a:solidFill>
@@ -4230,7 +4230,7 @@
             </a:ln>
             <a:extLst>
               <a:ext uri="{91240B29-F687-4f45-9708-019B960494DF}">
-                <a14:hiddenLine xmlns:a14="http://schemas.microsoft.com/office/drawing/2010/main" xmlns="" w="9525">
+                <a14:hiddenLine xmlns="" xmlns:a14="http://schemas.microsoft.com/office/drawing/2010/main" w="9525">
                   <a:solidFill>
                     <a:srgbClr val="000000"/>
                   </a:solidFill>
@@ -4320,7 +4320,7 @@
             </a:ln>
             <a:extLst>
               <a:ext uri="{91240B29-F687-4f45-9708-019B960494DF}">
-                <a14:hiddenLine xmlns:a14="http://schemas.microsoft.com/office/drawing/2010/main" xmlns="" w="9525">
+                <a14:hiddenLine xmlns="" xmlns:a14="http://schemas.microsoft.com/office/drawing/2010/main" w="9525">
                   <a:solidFill>
                     <a:srgbClr val="000000"/>
                   </a:solidFill>
@@ -4382,7 +4382,7 @@
             </a:ln>
             <a:extLst>
               <a:ext uri="{91240B29-F687-4f45-9708-019B960494DF}">
-                <a14:hiddenLine xmlns:a14="http://schemas.microsoft.com/office/drawing/2010/main" xmlns="" w="9525">
+                <a14:hiddenLine xmlns="" xmlns:a14="http://schemas.microsoft.com/office/drawing/2010/main" w="9525">
                   <a:solidFill>
                     <a:srgbClr val="000000"/>
                   </a:solidFill>
@@ -4502,7 +4502,7 @@
             </a:ln>
             <a:extLst>
               <a:ext uri="{91240B29-F687-4f45-9708-019B960494DF}">
-                <a14:hiddenLine xmlns:a14="http://schemas.microsoft.com/office/drawing/2010/main" xmlns="" w="9525">
+                <a14:hiddenLine xmlns="" xmlns:a14="http://schemas.microsoft.com/office/drawing/2010/main" w="9525">
                   <a:solidFill>
                     <a:srgbClr val="000000"/>
                   </a:solidFill>
@@ -4570,7 +4570,7 @@
             </a:ln>
             <a:extLst>
               <a:ext uri="{91240B29-F687-4f45-9708-019B960494DF}">
-                <a14:hiddenLine xmlns:a14="http://schemas.microsoft.com/office/drawing/2010/main" xmlns="" w="9525">
+                <a14:hiddenLine xmlns="" xmlns:a14="http://schemas.microsoft.com/office/drawing/2010/main" w="9525">
                   <a:solidFill>
                     <a:srgbClr val="000000"/>
                   </a:solidFill>
@@ -4660,7 +4660,7 @@
             </a:ln>
             <a:extLst>
               <a:ext uri="{91240B29-F687-4f45-9708-019B960494DF}">
-                <a14:hiddenLine xmlns:a14="http://schemas.microsoft.com/office/drawing/2010/main" xmlns="" w="9525">
+                <a14:hiddenLine xmlns="" xmlns:a14="http://schemas.microsoft.com/office/drawing/2010/main" w="9525">
                   <a:solidFill>
                     <a:srgbClr val="000000"/>
                   </a:solidFill>
@@ -4800,7 +4800,7 @@
           <a:p>
             <a:fld id="{48A87A34-81AB-432B-8DAE-1953F412C126}" type="datetimeFigureOut">
               <a:rPr lang="en-US" dirty="0"/>
-              <a:t>4/7/2019</a:t>
+              <a:t>4/9/2019</a:t>
             </a:fld>
             <a:endParaRPr lang="en-US" dirty="0"/>
           </a:p>
@@ -5062,7 +5062,7 @@
           <a:p>
             <a:fld id="{48A87A34-81AB-432B-8DAE-1953F412C126}" type="datetimeFigureOut">
               <a:rPr lang="en-US" dirty="0"/>
-              <a:t>4/7/2019</a:t>
+              <a:t>4/9/2019</a:t>
             </a:fld>
             <a:endParaRPr lang="en-US" dirty="0"/>
           </a:p>
@@ -5253,7 +5253,7 @@
           <a:p>
             <a:fld id="{48A87A34-81AB-432B-8DAE-1953F412C126}" type="datetimeFigureOut">
               <a:rPr lang="en-US" dirty="0"/>
-              <a:t>4/7/2019</a:t>
+              <a:t>4/9/2019</a:t>
             </a:fld>
             <a:endParaRPr lang="en-US" dirty="0"/>
           </a:p>
@@ -5511,7 +5511,7 @@
           <a:p>
             <a:fld id="{48A87A34-81AB-432B-8DAE-1953F412C126}" type="datetimeFigureOut">
               <a:rPr lang="en-US" dirty="0"/>
-              <a:t>4/7/2019</a:t>
+              <a:t>4/9/2019</a:t>
             </a:fld>
             <a:endParaRPr lang="en-US" dirty="0"/>
           </a:p>
@@ -5940,7 +5940,7 @@
           <a:p>
             <a:fld id="{48A87A34-81AB-432B-8DAE-1953F412C126}" type="datetimeFigureOut">
               <a:rPr lang="en-US" dirty="0"/>
-              <a:t>4/7/2019</a:t>
+              <a:t>4/9/2019</a:t>
             </a:fld>
             <a:endParaRPr lang="en-US" dirty="0"/>
           </a:p>
@@ -6481,7 +6481,7 @@
           <a:p>
             <a:fld id="{48A87A34-81AB-432B-8DAE-1953F412C126}" type="datetimeFigureOut">
               <a:rPr lang="en-US" dirty="0"/>
-              <a:t>4/7/2019</a:t>
+              <a:t>4/9/2019</a:t>
             </a:fld>
             <a:endParaRPr lang="en-US" dirty="0"/>
           </a:p>
@@ -7196,7 +7196,7 @@
           <a:p>
             <a:fld id="{48A87A34-81AB-432B-8DAE-1953F412C126}" type="datetimeFigureOut">
               <a:rPr lang="en-US" dirty="0"/>
-              <a:t>4/7/2019</a:t>
+              <a:t>4/9/2019</a:t>
             </a:fld>
             <a:endParaRPr lang="en-US" dirty="0"/>
           </a:p>
@@ -7361,7 +7361,7 @@
           <a:p>
             <a:fld id="{48A87A34-81AB-432B-8DAE-1953F412C126}" type="datetimeFigureOut">
               <a:rPr lang="en-US" dirty="0"/>
-              <a:t>4/7/2019</a:t>
+              <a:t>4/9/2019</a:t>
             </a:fld>
             <a:endParaRPr lang="en-US" dirty="0"/>
           </a:p>
@@ -7536,7 +7536,7 @@
           <a:p>
             <a:fld id="{48A87A34-81AB-432B-8DAE-1953F412C126}" type="datetimeFigureOut">
               <a:rPr lang="en-US" dirty="0"/>
-              <a:t>4/7/2019</a:t>
+              <a:t>4/9/2019</a:t>
             </a:fld>
             <a:endParaRPr lang="en-US" dirty="0"/>
           </a:p>
@@ -7701,7 +7701,7 @@
           <a:p>
             <a:fld id="{48A87A34-81AB-432B-8DAE-1953F412C126}" type="datetimeFigureOut">
               <a:rPr lang="en-US" dirty="0"/>
-              <a:t>4/7/2019</a:t>
+              <a:t>4/9/2019</a:t>
             </a:fld>
             <a:endParaRPr lang="en-US" dirty="0"/>
           </a:p>
@@ -7946,7 +7946,7 @@
           <a:p>
             <a:fld id="{48A87A34-81AB-432B-8DAE-1953F412C126}" type="datetimeFigureOut">
               <a:rPr lang="en-US" dirty="0"/>
-              <a:t>4/7/2019</a:t>
+              <a:t>4/9/2019</a:t>
             </a:fld>
             <a:endParaRPr lang="en-US" dirty="0"/>
           </a:p>
@@ -8173,7 +8173,7 @@
           <a:p>
             <a:fld id="{48A87A34-81AB-432B-8DAE-1953F412C126}" type="datetimeFigureOut">
               <a:rPr lang="en-US" dirty="0"/>
-              <a:t>4/7/2019</a:t>
+              <a:t>4/9/2019</a:t>
             </a:fld>
             <a:endParaRPr lang="en-US" dirty="0"/>
           </a:p>
@@ -8549,7 +8549,7 @@
           <a:p>
             <a:fld id="{48A87A34-81AB-432B-8DAE-1953F412C126}" type="datetimeFigureOut">
               <a:rPr lang="en-US" dirty="0"/>
-              <a:t>4/7/2019</a:t>
+              <a:t>4/9/2019</a:t>
             </a:fld>
             <a:endParaRPr lang="en-US" dirty="0"/>
           </a:p>
@@ -8662,7 +8662,7 @@
           <a:p>
             <a:fld id="{48A87A34-81AB-432B-8DAE-1953F412C126}" type="datetimeFigureOut">
               <a:rPr lang="en-US" dirty="0"/>
-              <a:t>4/7/2019</a:t>
+              <a:t>4/9/2019</a:t>
             </a:fld>
             <a:endParaRPr lang="en-US" dirty="0"/>
           </a:p>
@@ -8752,7 +8752,7 @@
           <a:p>
             <a:fld id="{48A87A34-81AB-432B-8DAE-1953F412C126}" type="datetimeFigureOut">
               <a:rPr lang="en-US" dirty="0"/>
-              <a:t>4/7/2019</a:t>
+              <a:t>4/9/2019</a:t>
             </a:fld>
             <a:endParaRPr lang="en-US" dirty="0"/>
           </a:p>
@@ -8996,7 +8996,7 @@
           <a:p>
             <a:fld id="{48A87A34-81AB-432B-8DAE-1953F412C126}" type="datetimeFigureOut">
               <a:rPr lang="en-US" dirty="0"/>
-              <a:t>4/7/2019</a:t>
+              <a:t>4/9/2019</a:t>
             </a:fld>
             <a:endParaRPr lang="en-US" dirty="0"/>
           </a:p>
@@ -9271,7 +9271,7 @@
           <a:p>
             <a:fld id="{48A87A34-81AB-432B-8DAE-1953F412C126}" type="datetimeFigureOut">
               <a:rPr lang="en-US" dirty="0"/>
-              <a:t>4/7/2019</a:t>
+              <a:t>4/9/2019</a:t>
             </a:fld>
             <a:endParaRPr lang="en-US" dirty="0"/>
           </a:p>
@@ -9389,7 +9389,7 @@
           <a:noFill/>
           <a:extLst>
             <a:ext uri="{909E8E84-426E-40dd-AFC4-6F175D3DCCD1}">
-              <a14:hiddenFill xmlns:a14="http://schemas.microsoft.com/office/drawing/2010/main" xmlns="">
+              <a14:hiddenFill xmlns="" xmlns:a14="http://schemas.microsoft.com/office/drawing/2010/main">
                 <a:solidFill>
                   <a:srgbClr val="FFFFFF"/>
                 </a:solidFill>
@@ -9463,7 +9463,7 @@
               </a:ln>
               <a:extLst>
                 <a:ext uri="{91240B29-F687-4f45-9708-019B960494DF}">
-                  <a14:hiddenLine xmlns:a14="http://schemas.microsoft.com/office/drawing/2010/main" xmlns="" w="9525">
+                  <a14:hiddenLine xmlns="" xmlns:a14="http://schemas.microsoft.com/office/drawing/2010/main" w="9525">
                     <a:solidFill>
                       <a:srgbClr val="000000"/>
                     </a:solidFill>
@@ -9553,7 +9553,7 @@
               </a:ln>
               <a:extLst>
                 <a:ext uri="{91240B29-F687-4f45-9708-019B960494DF}">
-                  <a14:hiddenLine xmlns:a14="http://schemas.microsoft.com/office/drawing/2010/main" xmlns="" w="9525">
+                  <a14:hiddenLine xmlns="" xmlns:a14="http://schemas.microsoft.com/office/drawing/2010/main" w="9525">
                     <a:solidFill>
                       <a:srgbClr val="000000"/>
                     </a:solidFill>
@@ -9643,7 +9643,7 @@
               </a:ln>
               <a:extLst>
                 <a:ext uri="{91240B29-F687-4f45-9708-019B960494DF}">
-                  <a14:hiddenLine xmlns:a14="http://schemas.microsoft.com/office/drawing/2010/main" xmlns="" w="9525">
+                  <a14:hiddenLine xmlns="" xmlns:a14="http://schemas.microsoft.com/office/drawing/2010/main" w="9525">
                     <a:solidFill>
                       <a:srgbClr val="000000"/>
                     </a:solidFill>
@@ -9705,7 +9705,7 @@
               </a:ln>
               <a:extLst>
                 <a:ext uri="{91240B29-F687-4f45-9708-019B960494DF}">
-                  <a14:hiddenLine xmlns:a14="http://schemas.microsoft.com/office/drawing/2010/main" xmlns="" w="9525">
+                  <a14:hiddenLine xmlns="" xmlns:a14="http://schemas.microsoft.com/office/drawing/2010/main" w="9525">
                     <a:solidFill>
                       <a:srgbClr val="000000"/>
                     </a:solidFill>
@@ -9795,7 +9795,7 @@
               </a:ln>
               <a:extLst>
                 <a:ext uri="{91240B29-F687-4f45-9708-019B960494DF}">
-                  <a14:hiddenLine xmlns:a14="http://schemas.microsoft.com/office/drawing/2010/main" xmlns="" w="9525">
+                  <a14:hiddenLine xmlns="" xmlns:a14="http://schemas.microsoft.com/office/drawing/2010/main" w="9525">
                     <a:solidFill>
                       <a:srgbClr val="000000"/>
                     </a:solidFill>
@@ -9857,7 +9857,7 @@
               </a:ln>
               <a:extLst>
                 <a:ext uri="{91240B29-F687-4f45-9708-019B960494DF}">
-                  <a14:hiddenLine xmlns:a14="http://schemas.microsoft.com/office/drawing/2010/main" xmlns="" w="9525">
+                  <a14:hiddenLine xmlns="" xmlns:a14="http://schemas.microsoft.com/office/drawing/2010/main" w="9525">
                     <a:solidFill>
                       <a:srgbClr val="000000"/>
                     </a:solidFill>
@@ -9919,7 +9919,7 @@
               </a:ln>
               <a:extLst>
                 <a:ext uri="{91240B29-F687-4f45-9708-019B960494DF}">
-                  <a14:hiddenLine xmlns:a14="http://schemas.microsoft.com/office/drawing/2010/main" xmlns="" w="9525">
+                  <a14:hiddenLine xmlns="" xmlns:a14="http://schemas.microsoft.com/office/drawing/2010/main" w="9525">
                     <a:solidFill>
                       <a:srgbClr val="000000"/>
                     </a:solidFill>
@@ -10009,7 +10009,7 @@
               </a:ln>
               <a:extLst>
                 <a:ext uri="{91240B29-F687-4f45-9708-019B960494DF}">
-                  <a14:hiddenLine xmlns:a14="http://schemas.microsoft.com/office/drawing/2010/main" xmlns="" w="9525">
+                  <a14:hiddenLine xmlns="" xmlns:a14="http://schemas.microsoft.com/office/drawing/2010/main" w="9525">
                     <a:solidFill>
                       <a:srgbClr val="000000"/>
                     </a:solidFill>
@@ -10099,7 +10099,7 @@
               </a:ln>
               <a:extLst>
                 <a:ext uri="{91240B29-F687-4f45-9708-019B960494DF}">
-                  <a14:hiddenLine xmlns:a14="http://schemas.microsoft.com/office/drawing/2010/main" xmlns="" w="9525">
+                  <a14:hiddenLine xmlns="" xmlns:a14="http://schemas.microsoft.com/office/drawing/2010/main" w="9525">
                     <a:solidFill>
                       <a:srgbClr val="000000"/>
                     </a:solidFill>
@@ -10161,7 +10161,7 @@
               </a:ln>
               <a:extLst>
                 <a:ext uri="{91240B29-F687-4f45-9708-019B960494DF}">
-                  <a14:hiddenLine xmlns:a14="http://schemas.microsoft.com/office/drawing/2010/main" xmlns="" w="9525">
+                  <a14:hiddenLine xmlns="" xmlns:a14="http://schemas.microsoft.com/office/drawing/2010/main" w="9525">
                     <a:solidFill>
                       <a:srgbClr val="000000"/>
                     </a:solidFill>
@@ -10271,7 +10271,7 @@
               </a:ln>
               <a:extLst>
                 <a:ext uri="{91240B29-F687-4f45-9708-019B960494DF}">
-                  <a14:hiddenLine xmlns:a14="http://schemas.microsoft.com/office/drawing/2010/main" xmlns="" w="9525">
+                  <a14:hiddenLine xmlns="" xmlns:a14="http://schemas.microsoft.com/office/drawing/2010/main" w="9525">
                     <a:solidFill>
                       <a:srgbClr val="000000"/>
                     </a:solidFill>
@@ -10355,7 +10355,7 @@
               </a:ln>
               <a:extLst>
                 <a:ext uri="{91240B29-F687-4f45-9708-019B960494DF}">
-                  <a14:hiddenLine xmlns:a14="http://schemas.microsoft.com/office/drawing/2010/main" xmlns="" w="9525">
+                  <a14:hiddenLine xmlns="" xmlns:a14="http://schemas.microsoft.com/office/drawing/2010/main" w="9525">
                     <a:solidFill>
                       <a:srgbClr val="000000"/>
                     </a:solidFill>
@@ -10417,7 +10417,7 @@
               </a:ln>
               <a:extLst>
                 <a:ext uri="{91240B29-F687-4f45-9708-019B960494DF}">
-                  <a14:hiddenLine xmlns:a14="http://schemas.microsoft.com/office/drawing/2010/main" xmlns="" w="9525">
+                  <a14:hiddenLine xmlns="" xmlns:a14="http://schemas.microsoft.com/office/drawing/2010/main" w="9525">
                     <a:solidFill>
                       <a:srgbClr val="000000"/>
                     </a:solidFill>
@@ -10479,7 +10479,7 @@
               </a:ln>
               <a:extLst>
                 <a:ext uri="{91240B29-F687-4f45-9708-019B960494DF}">
-                  <a14:hiddenLine xmlns:a14="http://schemas.microsoft.com/office/drawing/2010/main" xmlns="" w="9525">
+                  <a14:hiddenLine xmlns="" xmlns:a14="http://schemas.microsoft.com/office/drawing/2010/main" w="9525">
                     <a:solidFill>
                       <a:srgbClr val="000000"/>
                     </a:solidFill>
@@ -10569,7 +10569,7 @@
               </a:ln>
               <a:extLst>
                 <a:ext uri="{91240B29-F687-4f45-9708-019B960494DF}">
-                  <a14:hiddenLine xmlns:a14="http://schemas.microsoft.com/office/drawing/2010/main" xmlns="" w="9525">
+                  <a14:hiddenLine xmlns="" xmlns:a14="http://schemas.microsoft.com/office/drawing/2010/main" w="9525">
                     <a:solidFill>
                       <a:srgbClr val="000000"/>
                     </a:solidFill>
@@ -10603,7 +10603,7 @@
               </a:ln>
               <a:extLst>
                 <a:ext uri="{91240B29-F687-4f45-9708-019B960494DF}">
-                  <a14:hiddenLine xmlns:a14="http://schemas.microsoft.com/office/drawing/2010/main" xmlns="" w="9525">
+                  <a14:hiddenLine xmlns="" xmlns:a14="http://schemas.microsoft.com/office/drawing/2010/main" w="9525">
                     <a:solidFill>
                       <a:srgbClr val="000000"/>
                     </a:solidFill>
@@ -10668,7 +10668,7 @@
               </a:ln>
               <a:extLst>
                 <a:ext uri="{91240B29-F687-4f45-9708-019B960494DF}">
-                  <a14:hiddenLine xmlns:a14="http://schemas.microsoft.com/office/drawing/2010/main" xmlns="" w="9525">
+                  <a14:hiddenLine xmlns="" xmlns:a14="http://schemas.microsoft.com/office/drawing/2010/main" w="9525">
                     <a:solidFill>
                       <a:srgbClr val="000000"/>
                     </a:solidFill>
@@ -10758,7 +10758,7 @@
               </a:ln>
               <a:extLst>
                 <a:ext uri="{91240B29-F687-4f45-9708-019B960494DF}">
-                  <a14:hiddenLine xmlns:a14="http://schemas.microsoft.com/office/drawing/2010/main" xmlns="" w="9525">
+                  <a14:hiddenLine xmlns="" xmlns:a14="http://schemas.microsoft.com/office/drawing/2010/main" w="9525">
                     <a:solidFill>
                       <a:srgbClr val="000000"/>
                     </a:solidFill>
@@ -10820,7 +10820,7 @@
               </a:ln>
               <a:extLst>
                 <a:ext uri="{91240B29-F687-4f45-9708-019B960494DF}">
-                  <a14:hiddenLine xmlns:a14="http://schemas.microsoft.com/office/drawing/2010/main" xmlns="" w="9525">
+                  <a14:hiddenLine xmlns="" xmlns:a14="http://schemas.microsoft.com/office/drawing/2010/main" w="9525">
                     <a:solidFill>
                       <a:srgbClr val="000000"/>
                     </a:solidFill>
@@ -10910,7 +10910,7 @@
               </a:ln>
               <a:extLst>
                 <a:ext uri="{91240B29-F687-4f45-9708-019B960494DF}">
-                  <a14:hiddenLine xmlns:a14="http://schemas.microsoft.com/office/drawing/2010/main" xmlns="" w="9525">
+                  <a14:hiddenLine xmlns="" xmlns:a14="http://schemas.microsoft.com/office/drawing/2010/main" w="9525">
                     <a:solidFill>
                       <a:srgbClr val="000000"/>
                     </a:solidFill>
@@ -10975,7 +10975,7 @@
               </a:ln>
               <a:extLst>
                 <a:ext uri="{91240B29-F687-4f45-9708-019B960494DF}">
-                  <a14:hiddenLine xmlns:a14="http://schemas.microsoft.com/office/drawing/2010/main" xmlns="" w="9525">
+                  <a14:hiddenLine xmlns="" xmlns:a14="http://schemas.microsoft.com/office/drawing/2010/main" w="9525">
                     <a:solidFill>
                       <a:srgbClr val="000000"/>
                     </a:solidFill>
@@ -11037,7 +11037,7 @@
               </a:ln>
               <a:extLst>
                 <a:ext uri="{91240B29-F687-4f45-9708-019B960494DF}">
-                  <a14:hiddenLine xmlns:a14="http://schemas.microsoft.com/office/drawing/2010/main" xmlns="" w="9525">
+                  <a14:hiddenLine xmlns="" xmlns:a14="http://schemas.microsoft.com/office/drawing/2010/main" w="9525">
                     <a:solidFill>
                       <a:srgbClr val="000000"/>
                     </a:solidFill>
@@ -11127,7 +11127,7 @@
               </a:ln>
               <a:extLst>
                 <a:ext uri="{91240B29-F687-4f45-9708-019B960494DF}">
-                  <a14:hiddenLine xmlns:a14="http://schemas.microsoft.com/office/drawing/2010/main" xmlns="" w="9525">
+                  <a14:hiddenLine xmlns="" xmlns:a14="http://schemas.microsoft.com/office/drawing/2010/main" w="9525">
                     <a:solidFill>
                       <a:srgbClr val="000000"/>
                     </a:solidFill>
@@ -11217,7 +11217,7 @@
               </a:ln>
               <a:extLst>
                 <a:ext uri="{91240B29-F687-4f45-9708-019B960494DF}">
-                  <a14:hiddenLine xmlns:a14="http://schemas.microsoft.com/office/drawing/2010/main" xmlns="" w="9525">
+                  <a14:hiddenLine xmlns="" xmlns:a14="http://schemas.microsoft.com/office/drawing/2010/main" w="9525">
                     <a:solidFill>
                       <a:srgbClr val="000000"/>
                     </a:solidFill>
@@ -11282,7 +11282,7 @@
               </a:ln>
               <a:extLst>
                 <a:ext uri="{91240B29-F687-4f45-9708-019B960494DF}">
-                  <a14:hiddenLine xmlns:a14="http://schemas.microsoft.com/office/drawing/2010/main" xmlns="" w="9525">
+                  <a14:hiddenLine xmlns="" xmlns:a14="http://schemas.microsoft.com/office/drawing/2010/main" w="9525">
                     <a:solidFill>
                       <a:srgbClr val="000000"/>
                     </a:solidFill>
@@ -11402,7 +11402,7 @@
               </a:ln>
               <a:extLst>
                 <a:ext uri="{91240B29-F687-4f45-9708-019B960494DF}">
-                  <a14:hiddenLine xmlns:a14="http://schemas.microsoft.com/office/drawing/2010/main" xmlns="" w="9525">
+                  <a14:hiddenLine xmlns="" xmlns:a14="http://schemas.microsoft.com/office/drawing/2010/main" w="9525">
                     <a:solidFill>
                       <a:srgbClr val="000000"/>
                     </a:solidFill>
@@ -11483,7 +11483,7 @@
               </a:ln>
               <a:extLst>
                 <a:ext uri="{91240B29-F687-4f45-9708-019B960494DF}">
-                  <a14:hiddenLine xmlns:a14="http://schemas.microsoft.com/office/drawing/2010/main" xmlns="" w="9525">
+                  <a14:hiddenLine xmlns="" xmlns:a14="http://schemas.microsoft.com/office/drawing/2010/main" w="9525">
                     <a:solidFill>
                       <a:srgbClr val="000000"/>
                     </a:solidFill>
@@ -11598,7 +11598,7 @@
               </a:ln>
               <a:extLst>
                 <a:ext uri="{91240B29-F687-4f45-9708-019B960494DF}">
-                  <a14:hiddenLine xmlns:a14="http://schemas.microsoft.com/office/drawing/2010/main" xmlns="" w="9525">
+                  <a14:hiddenLine xmlns="" xmlns:a14="http://schemas.microsoft.com/office/drawing/2010/main" w="9525">
                     <a:solidFill>
                       <a:srgbClr val="000000"/>
                     </a:solidFill>
@@ -11688,7 +11688,7 @@
               </a:ln>
               <a:extLst>
                 <a:ext uri="{91240B29-F687-4f45-9708-019B960494DF}">
-                  <a14:hiddenLine xmlns:a14="http://schemas.microsoft.com/office/drawing/2010/main" xmlns="" w="9525">
+                  <a14:hiddenLine xmlns="" xmlns:a14="http://schemas.microsoft.com/office/drawing/2010/main" w="9525">
                     <a:solidFill>
                       <a:srgbClr val="000000"/>
                     </a:solidFill>
@@ -11753,7 +11753,7 @@
               </a:ln>
               <a:extLst>
                 <a:ext uri="{91240B29-F687-4f45-9708-019B960494DF}">
-                  <a14:hiddenLine xmlns:a14="http://schemas.microsoft.com/office/drawing/2010/main" xmlns="" w="9525">
+                  <a14:hiddenLine xmlns="" xmlns:a14="http://schemas.microsoft.com/office/drawing/2010/main" w="9525">
                     <a:solidFill>
                       <a:srgbClr val="000000"/>
                     </a:solidFill>
@@ -11843,7 +11843,7 @@
               </a:ln>
               <a:extLst>
                 <a:ext uri="{91240B29-F687-4f45-9708-019B960494DF}">
-                  <a14:hiddenLine xmlns:a14="http://schemas.microsoft.com/office/drawing/2010/main" xmlns="" w="9525">
+                  <a14:hiddenLine xmlns="" xmlns:a14="http://schemas.microsoft.com/office/drawing/2010/main" w="9525">
                     <a:solidFill>
                       <a:srgbClr val="000000"/>
                     </a:solidFill>
@@ -11911,7 +11911,7 @@
               </a:ln>
               <a:extLst>
                 <a:ext uri="{91240B29-F687-4f45-9708-019B960494DF}">
-                  <a14:hiddenLine xmlns:a14="http://schemas.microsoft.com/office/drawing/2010/main" xmlns="" w="9525">
+                  <a14:hiddenLine xmlns="" xmlns:a14="http://schemas.microsoft.com/office/drawing/2010/main" w="9525">
                     <a:solidFill>
                       <a:srgbClr val="000000"/>
                     </a:solidFill>
@@ -12001,7 +12001,7 @@
               </a:ln>
               <a:extLst>
                 <a:ext uri="{91240B29-F687-4f45-9708-019B960494DF}">
-                  <a14:hiddenLine xmlns:a14="http://schemas.microsoft.com/office/drawing/2010/main" xmlns="" w="9525">
+                  <a14:hiddenLine xmlns="" xmlns:a14="http://schemas.microsoft.com/office/drawing/2010/main" w="9525">
                     <a:solidFill>
                       <a:srgbClr val="000000"/>
                     </a:solidFill>
@@ -12069,7 +12069,7 @@
               </a:ln>
               <a:extLst>
                 <a:ext uri="{91240B29-F687-4f45-9708-019B960494DF}">
-                  <a14:hiddenLine xmlns:a14="http://schemas.microsoft.com/office/drawing/2010/main" xmlns="" w="9525">
+                  <a14:hiddenLine xmlns="" xmlns:a14="http://schemas.microsoft.com/office/drawing/2010/main" w="9525">
                     <a:solidFill>
                       <a:srgbClr val="000000"/>
                     </a:solidFill>
@@ -12159,7 +12159,7 @@
               </a:ln>
               <a:extLst>
                 <a:ext uri="{91240B29-F687-4f45-9708-019B960494DF}">
-                  <a14:hiddenLine xmlns:a14="http://schemas.microsoft.com/office/drawing/2010/main" xmlns="" w="9525">
+                  <a14:hiddenLine xmlns="" xmlns:a14="http://schemas.microsoft.com/office/drawing/2010/main" w="9525">
                     <a:solidFill>
                       <a:srgbClr val="000000"/>
                     </a:solidFill>
@@ -12193,7 +12193,7 @@
               </a:ln>
               <a:extLst>
                 <a:ext uri="{91240B29-F687-4f45-9708-019B960494DF}">
-                  <a14:hiddenLine xmlns:a14="http://schemas.microsoft.com/office/drawing/2010/main" xmlns="" w="9525">
+                  <a14:hiddenLine xmlns="" xmlns:a14="http://schemas.microsoft.com/office/drawing/2010/main" w="9525">
                     <a:solidFill>
                       <a:srgbClr val="000000"/>
                     </a:solidFill>
@@ -12334,7 +12334,7 @@
             <a:fld id="{48A87A34-81AB-432B-8DAE-1953F412C126}" type="datetimeFigureOut">
               <a:rPr lang="en-US" dirty="0"/>
               <a:pPr/>
-              <a:t>4/7/2019</a:t>
+              <a:t>4/9/2019</a:t>
             </a:fld>
             <a:endParaRPr lang="en-US" dirty="0"/>
           </a:p>
@@ -17447,7 +17447,7 @@
         </p:spPr>
         <p:txBody>
           <a:bodyPr>
-            <a:normAutofit/>
+            <a:normAutofit fontScale="92500" lnSpcReduction="20000"/>
           </a:bodyPr>
           <a:lstStyle/>
           <a:p>
@@ -17484,12 +17484,8 @@
               <a:buChar char="v"/>
             </a:pPr>
             <a:r>
-              <a:rPr lang="fr-FR" sz="1900"/>
-              <a:t> Inconvénients</a:t>
-            </a:r>
-            <a:r>
               <a:rPr lang="fr-FR" sz="1900" dirty="0"/>
-              <a:t>/limites du Cloud </a:t>
+              <a:t> Inconvénients/limites du Cloud </a:t>
             </a:r>
             <a:r>
               <a:rPr lang="fr-FR" sz="1900" dirty="0" err="1"/>
@@ -17549,6 +17545,84 @@
               <a:rPr lang="fr-FR" sz="1900" dirty="0"/>
               <a:t> en 2019</a:t>
             </a:r>
+          </a:p>
+          <a:p>
+            <a:pPr>
+              <a:lnSpc>
+                <a:spcPct val="170000"/>
+              </a:lnSpc>
+              <a:buFont typeface="Wingdings" panose="05000000000000000000" pitchFamily="2" charset="2"/>
+              <a:buChar char="Ø"/>
+            </a:pPr>
+            <a:r>
+              <a:rPr lang="fr-FR" sz="2200" dirty="0"/>
+              <a:t> LE CLOUD COMPUTING DANS LE TEMPS</a:t>
+            </a:r>
+          </a:p>
+          <a:p>
+            <a:pPr lvl="1">
+              <a:buFont typeface="Wingdings" panose="05000000000000000000" pitchFamily="2" charset="2"/>
+              <a:buChar char="v"/>
+            </a:pPr>
+            <a:r>
+              <a:rPr lang="fr-FR" sz="1900" dirty="0"/>
+              <a:t> Les débuts du Cloud </a:t>
+            </a:r>
+            <a:r>
+              <a:rPr lang="fr-FR" sz="1900" dirty="0" err="1"/>
+              <a:t>Computing</a:t>
+            </a:r>
+            <a:endParaRPr lang="fr-FR" sz="1900" dirty="0"/>
+          </a:p>
+          <a:p>
+            <a:pPr lvl="1">
+              <a:buFont typeface="Wingdings" panose="05000000000000000000" pitchFamily="2" charset="2"/>
+              <a:buChar char="v"/>
+            </a:pPr>
+            <a:r>
+              <a:rPr lang="fr-FR" sz="1900" dirty="0"/>
+              <a:t> Le Cloud </a:t>
+            </a:r>
+            <a:r>
+              <a:rPr lang="fr-FR" sz="1900" dirty="0" err="1"/>
+              <a:t>Computing</a:t>
+            </a:r>
+            <a:r>
+              <a:rPr lang="fr-FR" sz="1900" dirty="0"/>
+              <a:t> à l’heure actuelle</a:t>
+            </a:r>
+          </a:p>
+          <a:p>
+            <a:pPr lvl="1">
+              <a:buFont typeface="Wingdings" panose="05000000000000000000" pitchFamily="2" charset="2"/>
+              <a:buChar char="v"/>
+            </a:pPr>
+            <a:r>
+              <a:rPr lang="fr-FR" sz="1900" dirty="0"/>
+              <a:t> Le Cloud </a:t>
+            </a:r>
+            <a:r>
+              <a:rPr lang="fr-FR" sz="1900" dirty="0" err="1"/>
+              <a:t>Computing</a:t>
+            </a:r>
+            <a:r>
+              <a:rPr lang="fr-FR" sz="1900" dirty="0"/>
+              <a:t> dans le futur ?</a:t>
+            </a:r>
+          </a:p>
+          <a:p>
+            <a:pPr lvl="1">
+              <a:buFont typeface="Wingdings" panose="05000000000000000000" pitchFamily="2" charset="2"/>
+              <a:buChar char="v"/>
+            </a:pPr>
+            <a:endParaRPr lang="fr-FR" sz="1900" dirty="0"/>
+          </a:p>
+          <a:p>
+            <a:pPr lvl="1">
+              <a:buFont typeface="Wingdings" panose="05000000000000000000" pitchFamily="2" charset="2"/>
+              <a:buChar char="v"/>
+            </a:pPr>
+            <a:endParaRPr lang="fr-FR" sz="1900" dirty="0"/>
           </a:p>
         </p:txBody>
       </p:sp>
